--- a/Dokumentation/Abschlusspräsentation Chat-App.pptx
+++ b/Dokumentation/Abschlusspräsentation Chat-App.pptx
@@ -311,7 +311,7 @@
           <a:p>
             <a:fld id="{CD1FACE7-88CD-4F4C-9CC1-9E3F3891CF46}" type="datetimeFigureOut">
               <a:rPr lang="de-DE" smtClean="0"/>
-              <a:t>13.08.2021</a:t>
+              <a:t>23.08.2021</a:t>
             </a:fld>
             <a:endParaRPr lang="de-DE"/>
           </a:p>
@@ -476,7 +476,7 @@
           <a:p>
             <a:fld id="{9BA3CD22-74D6-4DB4-B461-11E0308C10E9}" type="datetimeFigureOut">
               <a:rPr lang="de-DE" smtClean="0"/>
-              <a:t>13.08.2021</a:t>
+              <a:t>23.08.2021</a:t>
             </a:fld>
             <a:endParaRPr lang="de-DE"/>
           </a:p>
@@ -4856,7 +4856,6 @@
               <a:rPr lang="de-DE" dirty="0"/>
               <a:t>Inhalte</a:t>
             </a:r>
-            <a:endParaRPr lang="de-DE" dirty="0"/>
           </a:p>
         </p:txBody>
       </p:sp>
@@ -4877,7 +4876,15 @@
           <a:p>
             <a:r>
               <a:rPr lang="de-DE" dirty="0" smtClean="0"/>
-              <a:t>Multimediale Protokolle - </a:t>
+              <a:t>Multimedia-Infrastrukturen </a:t>
+            </a:r>
+            <a:r>
+              <a:rPr lang="de-DE"/>
+              <a:t>und </a:t>
+            </a:r>
+            <a:r>
+              <a:rPr lang="de-DE" smtClean="0"/>
+              <a:t>Anwendungen</a:t>
             </a:r>
             <a:endParaRPr lang="de-DE" dirty="0"/>
           </a:p>
@@ -4984,10 +4991,6 @@
             <a:r>
               <a:rPr lang="de-DE" dirty="0" smtClean="0"/>
               <a:t>Chat- / Dateiübertragung</a:t>
-            </a:r>
-            <a:r>
-              <a:rPr lang="de-DE" dirty="0" smtClean="0"/>
-              <a:t/>
             </a:r>
             <a:br>
               <a:rPr lang="de-DE" dirty="0" smtClean="0"/>
@@ -5216,7 +5219,6 @@
               <a:rPr lang="de-DE" dirty="0"/>
               <a:t>Inhalte</a:t>
             </a:r>
-            <a:endParaRPr lang="de-DE" dirty="0"/>
           </a:p>
         </p:txBody>
       </p:sp>
@@ -5382,7 +5384,6 @@
               <a:rPr lang="de-DE" dirty="0" smtClean="0"/>
               <a:t>u33874@hs-harz.de</a:t>
             </a:r>
-            <a:endParaRPr lang="de-DE" dirty="0" smtClean="0"/>
           </a:p>
           <a:p>
             <a:r>
@@ -5606,10 +5607,6 @@
               <a:rPr lang="de-DE" dirty="0" smtClean="0"/>
               <a:t>Inhalt</a:t>
             </a:r>
-            <a:r>
-              <a:rPr lang="de-DE" dirty="0" smtClean="0"/>
-              <a:t/>
-            </a:r>
             <a:br>
               <a:rPr lang="de-DE" dirty="0" smtClean="0"/>
             </a:br>
@@ -5646,7 +5643,6 @@
               <a:rPr lang="de-DE" dirty="0" smtClean="0"/>
               <a:t>Benutzeroberfläche</a:t>
             </a:r>
-            <a:endParaRPr lang="de-DE" dirty="0" smtClean="0"/>
           </a:p>
           <a:p>
             <a:r>
@@ -5781,10 +5777,6 @@
             <a:r>
               <a:rPr lang="de-DE" dirty="0" smtClean="0"/>
               <a:t>Problemstellung</a:t>
-            </a:r>
-            <a:r>
-              <a:rPr lang="de-DE" dirty="0" smtClean="0"/>
-              <a:t/>
             </a:r>
             <a:br>
               <a:rPr lang="de-DE" dirty="0" smtClean="0"/>
@@ -6297,10 +6289,6 @@
             <a:r>
               <a:rPr lang="de-DE" dirty="0"/>
               <a:t>Benutzeroberfläche</a:t>
-            </a:r>
-            <a:r>
-              <a:rPr lang="de-DE" dirty="0"/>
-              <a:t/>
             </a:r>
             <a:br>
               <a:rPr lang="de-DE" dirty="0"/>
@@ -6611,10 +6599,6 @@
               <a:rPr lang="de-DE" dirty="0" smtClean="0"/>
               <a:t>Allgemeine Architektur</a:t>
             </a:r>
-            <a:r>
-              <a:rPr lang="de-DE" dirty="0" smtClean="0"/>
-              <a:t/>
-            </a:r>
             <a:br>
               <a:rPr lang="de-DE" dirty="0" smtClean="0"/>
             </a:br>
@@ -6803,10 +6787,6 @@
             <a:r>
               <a:rPr lang="de-DE" dirty="0" smtClean="0"/>
               <a:t>Verbindungsaufbau</a:t>
-            </a:r>
-            <a:r>
-              <a:rPr lang="de-DE" dirty="0" smtClean="0"/>
-              <a:t/>
             </a:r>
             <a:br>
               <a:rPr lang="de-DE" dirty="0" smtClean="0"/>
